--- a/08-foodcritic.pptx
+++ b/08-foodcritic.pptx
@@ -221,7 +221,7 @@
           <a:p>
             <a:fld id="{9AF33057-6D84-D14E-AD32-9E8926ACCADD}" type="datetimeFigureOut">
               <a:rPr lang="en-US" smtClean="0"/>
-              <a:t>7/7/2015</a:t>
+              <a:t>7/24/2015</a:t>
             </a:fld>
             <a:endParaRPr lang="en-US" dirty="0"/>
           </a:p>
@@ -1154,7 +1154,7 @@
         </p:nvSpPr>
         <p:spPr>
           <a:xfrm>
-            <a:off x="7864144" y="8547113"/>
+            <a:off x="7864144" y="8563155"/>
             <a:ext cx="533400" cy="251143"/>
           </a:xfrm>
           <a:prstGeom prst="rect">
@@ -1275,6 +1275,13 @@
   <p:clrMapOvr>
     <a:masterClrMapping/>
   </p:clrMapOvr>
+  <p:timing>
+    <p:tnLst>
+      <p:par>
+        <p:cTn id="1" dur="indefinite" restart="never" nodeType="tmRoot"/>
+      </p:par>
+    </p:tnLst>
+  </p:timing>
 </p:sldLayout>
 </file>
 
@@ -18574,7 +18581,7 @@
               <a:t>.</a:t>
             </a:r>
             <a:r>
-              <a:rPr lang="en-US" dirty="0">
+              <a:rPr lang="en-US">
                 <a:solidFill>
                   <a:srgbClr val="A1C3E5"/>
                 </a:solidFill>
@@ -18584,7 +18591,7 @@
               <a:t>2</a:t>
             </a:r>
             <a:r>
-              <a:rPr sz="1800" spc="-5" dirty="0" smtClean="0">
+              <a:rPr sz="1800" spc="-5" smtClean="0">
                 <a:solidFill>
                   <a:srgbClr val="A1C3E5"/>
                 </a:solidFill>
@@ -18594,14 +18601,14 @@
               <a:t>.</a:t>
             </a:r>
             <a:r>
-              <a:rPr sz="1800" dirty="0" smtClean="0">
+              <a:rPr lang="en-US" sz="1800" spc="-5" smtClean="0">
                 <a:solidFill>
                   <a:srgbClr val="A1C3E5"/>
                 </a:solidFill>
                 <a:latin typeface="Arial"/>
                 <a:cs typeface="Arial"/>
               </a:rPr>
-              <a:t>0</a:t>
+              <a:t>1</a:t>
             </a:r>
             <a:endParaRPr sz="1800" dirty="0">
               <a:latin typeface="Arial"/>
@@ -18914,7 +18921,7 @@
         </p:nvSpPr>
         <p:spPr>
           <a:xfrm>
-            <a:off x="7865736" y="8547113"/>
+            <a:off x="7865736" y="8563442"/>
             <a:ext cx="533400" cy="251143"/>
           </a:xfrm>
           <a:prstGeom prst="rect">
@@ -19035,6 +19042,13 @@
   <p:clrMapOvr>
     <a:masterClrMapping/>
   </p:clrMapOvr>
+  <p:timing>
+    <p:tnLst>
+      <p:par>
+        <p:cTn id="1" dur="indefinite" restart="never" nodeType="tmRoot"/>
+      </p:par>
+    </p:tnLst>
+  </p:timing>
 </p:sld>
 </file>
 
